--- a/presentazione/PresentazionePPW.pptx
+++ b/presentazione/PresentazionePPW.pptx
@@ -1097,7 +1097,7 @@
         </p:nvSpPr>
         <p:spPr>
           <a:xfrm>
-            <a:off x="866728" y="-10160"/>
+            <a:off x="872009" y="0"/>
             <a:ext cx="5106287" cy="6858000"/>
           </a:xfrm>
           <a:prstGeom prst="homePlate">
@@ -3936,7 +3936,7 @@
           </a:prstGeom>
           <a:ln w="57150">
             <a:solidFill>
-              <a:schemeClr val="accent6"/>
+              <a:srgbClr val="FF6200"/>
             </a:solidFill>
           </a:ln>
         </p:spPr>
@@ -4087,7 +4087,7 @@
         </p:nvSpPr>
         <p:spPr>
           <a:xfrm>
-            <a:off x="8189264" y="1346525"/>
+            <a:off x="7967591" y="3128020"/>
             <a:ext cx="543972" cy="365125"/>
           </a:xfrm>
           <a:prstGeom prst="rect">
@@ -5781,7 +5781,7 @@
           </a:prstGeom>
           <a:ln w="57150">
             <a:solidFill>
-              <a:schemeClr val="accent6"/>
+              <a:srgbClr val="FF6200"/>
             </a:solidFill>
           </a:ln>
         </p:spPr>
@@ -6117,7 +6117,7 @@
           </a:prstGeom>
           <a:ln w="57150">
             <a:solidFill>
-              <a:schemeClr val="accent6"/>
+              <a:srgbClr val="FF6200"/>
             </a:solidFill>
           </a:ln>
         </p:spPr>
@@ -6453,7 +6453,7 @@
           </a:prstGeom>
           <a:ln w="57150">
             <a:solidFill>
-              <a:schemeClr val="accent6"/>
+              <a:srgbClr val="FF6200"/>
             </a:solidFill>
           </a:ln>
         </p:spPr>
@@ -8208,7 +8208,7 @@
             <a:avLst/>
           </a:prstGeom>
           <a:solidFill>
-            <a:schemeClr val="accent6"/>
+            <a:srgbClr val="FF6200"/>
           </a:solidFill>
           <a:ln>
             <a:noFill/>
@@ -10486,6 +10486,134 @@
           </a:prstGeom>
         </p:spPr>
       </p:pic>
+      <p:sp>
+        <p:nvSpPr>
+          <p:cNvPr id="7" name="Segnaposto numero diapositiva 2">
+            <a:extLst>
+              <a:ext uri="{FF2B5EF4-FFF2-40B4-BE49-F238E27FC236}">
+                <a16:creationId xmlns:a16="http://schemas.microsoft.com/office/drawing/2014/main" id="{18BE00D7-F219-4DEA-9DEE-CD81DB6EED1C}"/>
+              </a:ext>
+            </a:extLst>
+          </p:cNvPr>
+          <p:cNvSpPr txBox="1">
+            <a:spLocks/>
+          </p:cNvSpPr>
+          <p:nvPr/>
+        </p:nvSpPr>
+        <p:spPr>
+          <a:xfrm>
+            <a:off x="8189264" y="1346525"/>
+            <a:ext cx="543972" cy="365125"/>
+          </a:xfrm>
+          <a:prstGeom prst="rect">
+            <a:avLst/>
+          </a:prstGeom>
+        </p:spPr>
+        <p:txBody>
+          <a:bodyPr anchor="ctr"/>
+          <a:lstStyle>
+            <a:defPPr>
+              <a:defRPr lang="en-US"/>
+            </a:defPPr>
+            <a:lvl1pPr marL="0" algn="ctr" defTabSz="914400" rtl="0" eaLnBrk="1" latinLnBrk="0" hangingPunct="1">
+              <a:defRPr sz="1200" b="0" i="0" kern="1200">
+                <a:solidFill>
+                  <a:schemeClr val="bg1"/>
+                </a:solidFill>
+                <a:latin typeface="Roboto Light" charset="0"/>
+                <a:ea typeface="Roboto Light" charset="0"/>
+                <a:cs typeface="Roboto Light" charset="0"/>
+              </a:defRPr>
+            </a:lvl1pPr>
+            <a:lvl2pPr marL="457200" algn="l" defTabSz="914400" rtl="0" eaLnBrk="1" latinLnBrk="0" hangingPunct="1">
+              <a:defRPr sz="1800" kern="1200">
+                <a:solidFill>
+                  <a:schemeClr val="tx1"/>
+                </a:solidFill>
+                <a:latin typeface="+mn-lt"/>
+                <a:ea typeface="+mn-ea"/>
+                <a:cs typeface="+mn-cs"/>
+              </a:defRPr>
+            </a:lvl2pPr>
+            <a:lvl3pPr marL="914400" algn="l" defTabSz="914400" rtl="0" eaLnBrk="1" latinLnBrk="0" hangingPunct="1">
+              <a:defRPr sz="1800" kern="1200">
+                <a:solidFill>
+                  <a:schemeClr val="tx1"/>
+                </a:solidFill>
+                <a:latin typeface="+mn-lt"/>
+                <a:ea typeface="+mn-ea"/>
+                <a:cs typeface="+mn-cs"/>
+              </a:defRPr>
+            </a:lvl3pPr>
+            <a:lvl4pPr marL="1371600" algn="l" defTabSz="914400" rtl="0" eaLnBrk="1" latinLnBrk="0" hangingPunct="1">
+              <a:defRPr sz="1800" kern="1200">
+                <a:solidFill>
+                  <a:schemeClr val="tx1"/>
+                </a:solidFill>
+                <a:latin typeface="+mn-lt"/>
+                <a:ea typeface="+mn-ea"/>
+                <a:cs typeface="+mn-cs"/>
+              </a:defRPr>
+            </a:lvl4pPr>
+            <a:lvl5pPr marL="1828800" algn="l" defTabSz="914400" rtl="0" eaLnBrk="1" latinLnBrk="0" hangingPunct="1">
+              <a:defRPr sz="1800" kern="1200">
+                <a:solidFill>
+                  <a:schemeClr val="tx1"/>
+                </a:solidFill>
+                <a:latin typeface="+mn-lt"/>
+                <a:ea typeface="+mn-ea"/>
+                <a:cs typeface="+mn-cs"/>
+              </a:defRPr>
+            </a:lvl5pPr>
+            <a:lvl6pPr marL="2286000" algn="l" defTabSz="914400" rtl="0" eaLnBrk="1" latinLnBrk="0" hangingPunct="1">
+              <a:defRPr sz="1800" kern="1200">
+                <a:solidFill>
+                  <a:schemeClr val="tx1"/>
+                </a:solidFill>
+                <a:latin typeface="+mn-lt"/>
+                <a:ea typeface="+mn-ea"/>
+                <a:cs typeface="+mn-cs"/>
+              </a:defRPr>
+            </a:lvl6pPr>
+            <a:lvl7pPr marL="2743200" algn="l" defTabSz="914400" rtl="0" eaLnBrk="1" latinLnBrk="0" hangingPunct="1">
+              <a:defRPr sz="1800" kern="1200">
+                <a:solidFill>
+                  <a:schemeClr val="tx1"/>
+                </a:solidFill>
+                <a:latin typeface="+mn-lt"/>
+                <a:ea typeface="+mn-ea"/>
+                <a:cs typeface="+mn-cs"/>
+              </a:defRPr>
+            </a:lvl7pPr>
+            <a:lvl8pPr marL="3200400" algn="l" defTabSz="914400" rtl="0" eaLnBrk="1" latinLnBrk="0" hangingPunct="1">
+              <a:defRPr sz="1800" kern="1200">
+                <a:solidFill>
+                  <a:schemeClr val="tx1"/>
+                </a:solidFill>
+                <a:latin typeface="+mn-lt"/>
+                <a:ea typeface="+mn-ea"/>
+                <a:cs typeface="+mn-cs"/>
+              </a:defRPr>
+            </a:lvl8pPr>
+            <a:lvl9pPr marL="3657600" algn="l" defTabSz="914400" rtl="0" eaLnBrk="1" latinLnBrk="0" hangingPunct="1">
+              <a:defRPr sz="1800" kern="1200">
+                <a:solidFill>
+                  <a:schemeClr val="tx1"/>
+                </a:solidFill>
+                <a:latin typeface="+mn-lt"/>
+                <a:ea typeface="+mn-ea"/>
+                <a:cs typeface="+mn-cs"/>
+              </a:defRPr>
+            </a:lvl9pPr>
+          </a:lstStyle>
+          <a:p>
+            <a:r>
+              <a:rPr lang="en-US" dirty="0"/>
+              <a:t>3</a:t>
+            </a:r>
+          </a:p>
+        </p:txBody>
+      </p:sp>
     </p:spTree>
     <p:extLst>
       <p:ext uri="{BB962C8B-B14F-4D97-AF65-F5344CB8AC3E}">

--- a/presentazione/PresentazionePPW.pptx
+++ b/presentazione/PresentazionePPW.pptx
@@ -8,7 +8,7 @@
     <p:sldMasterId id="2147483735" r:id="rId4"/>
   </p:sldMasterIdLst>
   <p:notesMasterIdLst>
-    <p:notesMasterId r:id="rId14"/>
+    <p:notesMasterId r:id="rId18"/>
   </p:notesMasterIdLst>
   <p:sldIdLst>
     <p:sldId id="498" r:id="rId5"/>
@@ -20,6 +20,10 @@
     <p:sldId id="502" r:id="rId11"/>
     <p:sldId id="496" r:id="rId12"/>
     <p:sldId id="493" r:id="rId13"/>
+    <p:sldId id="504" r:id="rId14"/>
+    <p:sldId id="503" r:id="rId15"/>
+    <p:sldId id="505" r:id="rId16"/>
+    <p:sldId id="506" r:id="rId17"/>
   </p:sldIdLst>
   <p:sldSz cx="9144000" cy="6858000" type="screen4x3"/>
   <p:notesSz cx="6858000" cy="9144000"/>
@@ -132,6 +136,10 @@
             <p14:sldId id="502"/>
             <p14:sldId id="496"/>
             <p14:sldId id="493"/>
+            <p14:sldId id="504"/>
+            <p14:sldId id="503"/>
+            <p14:sldId id="505"/>
+            <p14:sldId id="506"/>
           </p14:sldIdLst>
         </p14:section>
       </p14:sectionLst>
@@ -10119,6 +10127,1155 @@
 </p:sld>
 </file>
 
+<file path=ppt/slides/slide10.xml><?xml version="1.0" encoding="utf-8"?>
+<p:sld xmlns:a="http://schemas.openxmlformats.org/drawingml/2006/main" xmlns:r="http://schemas.openxmlformats.org/officeDocument/2006/relationships" xmlns:p="http://schemas.openxmlformats.org/presentationml/2006/main">
+  <p:cSld>
+    <p:spTree>
+      <p:nvGrpSpPr>
+        <p:cNvPr id="1" name=""/>
+        <p:cNvGrpSpPr/>
+        <p:nvPr/>
+      </p:nvGrpSpPr>
+      <p:grpSpPr>
+        <a:xfrm>
+          <a:off x="0" y="0"/>
+          <a:ext cx="0" cy="0"/>
+          <a:chOff x="0" y="0"/>
+          <a:chExt cx="0" cy="0"/>
+        </a:xfrm>
+      </p:grpSpPr>
+      <p:sp>
+        <p:nvSpPr>
+          <p:cNvPr id="2" name="Titolo 1">
+            <a:extLst>
+              <a:ext uri="{FF2B5EF4-FFF2-40B4-BE49-F238E27FC236}">
+                <a16:creationId xmlns:a16="http://schemas.microsoft.com/office/drawing/2014/main" id="{69A3425F-3989-434F-A102-94D7CFA49E57}"/>
+              </a:ext>
+            </a:extLst>
+          </p:cNvPr>
+          <p:cNvSpPr>
+            <a:spLocks noGrp="1"/>
+          </p:cNvSpPr>
+          <p:nvPr>
+            <p:ph type="title"/>
+          </p:nvPr>
+        </p:nvSpPr>
+        <p:spPr>
+          <a:xfrm>
+            <a:off x="510663" y="2904478"/>
+            <a:ext cx="3943350" cy="1049044"/>
+          </a:xfrm>
+        </p:spPr>
+        <p:txBody>
+          <a:bodyPr/>
+          <a:lstStyle/>
+          <a:p>
+            <a:r>
+              <a:rPr lang="it-IT" dirty="0">
+                <a:latin typeface="Raleway"/>
+              </a:rPr>
+              <a:t>Punti salienti della progettazione</a:t>
+            </a:r>
+          </a:p>
+        </p:txBody>
+      </p:sp>
+    </p:spTree>
+    <p:extLst>
+      <p:ext uri="{BB962C8B-B14F-4D97-AF65-F5344CB8AC3E}">
+        <p14:creationId xmlns:p14="http://schemas.microsoft.com/office/powerpoint/2010/main" val="732298181"/>
+      </p:ext>
+    </p:extLst>
+  </p:cSld>
+  <p:clrMapOvr>
+    <a:masterClrMapping/>
+  </p:clrMapOvr>
+  <p:transition spd="slow">
+    <p:push/>
+  </p:transition>
+</p:sld>
+</file>
+
+<file path=ppt/slides/slide11.xml><?xml version="1.0" encoding="utf-8"?>
+<p:sld xmlns:a="http://schemas.openxmlformats.org/drawingml/2006/main" xmlns:r="http://schemas.openxmlformats.org/officeDocument/2006/relationships" xmlns:p="http://schemas.openxmlformats.org/presentationml/2006/main">
+  <p:cSld>
+    <p:spTree>
+      <p:nvGrpSpPr>
+        <p:cNvPr id="1" name=""/>
+        <p:cNvGrpSpPr/>
+        <p:nvPr/>
+      </p:nvGrpSpPr>
+      <p:grpSpPr>
+        <a:xfrm>
+          <a:off x="0" y="0"/>
+          <a:ext cx="0" cy="0"/>
+          <a:chOff x="0" y="0"/>
+          <a:chExt cx="0" cy="0"/>
+        </a:xfrm>
+      </p:grpSpPr>
+      <p:sp>
+        <p:nvSpPr>
+          <p:cNvPr id="3" name="Segnaposto numero diapositiva 2">
+            <a:extLst>
+              <a:ext uri="{FF2B5EF4-FFF2-40B4-BE49-F238E27FC236}">
+                <a16:creationId xmlns:a16="http://schemas.microsoft.com/office/drawing/2014/main" id="{F95D5DB9-37AE-4E1C-A00F-B3A31DFEC6CC}"/>
+              </a:ext>
+            </a:extLst>
+          </p:cNvPr>
+          <p:cNvSpPr>
+            <a:spLocks noGrp="1"/>
+          </p:cNvSpPr>
+          <p:nvPr>
+            <p:ph type="sldNum" sz="quarter" idx="4294967295"/>
+          </p:nvPr>
+        </p:nvSpPr>
+        <p:spPr>
+          <a:xfrm>
+            <a:off x="8188120" y="1365864"/>
+            <a:ext cx="542925" cy="365125"/>
+          </a:xfrm>
+        </p:spPr>
+        <p:txBody>
+          <a:bodyPr/>
+          <a:lstStyle/>
+          <a:p>
+            <a:fld id="{936C95AE-7298-45E1-9514-94AFF5BED89B}" type="slidenum">
+              <a:rPr lang="en-US" smtClean="0"/>
+              <a:pPr/>
+              <a:t>11</a:t>
+            </a:fld>
+            <a:endParaRPr lang="en-US" dirty="0"/>
+          </a:p>
+        </p:txBody>
+      </p:sp>
+      <p:sp>
+        <p:nvSpPr>
+          <p:cNvPr id="6" name="Titolo 1">
+            <a:extLst>
+              <a:ext uri="{FF2B5EF4-FFF2-40B4-BE49-F238E27FC236}">
+                <a16:creationId xmlns:a16="http://schemas.microsoft.com/office/drawing/2014/main" id="{BA907758-C83D-447A-8484-FE6423F0D184}"/>
+              </a:ext>
+            </a:extLst>
+          </p:cNvPr>
+          <p:cNvSpPr txBox="1">
+            <a:spLocks/>
+          </p:cNvSpPr>
+          <p:nvPr/>
+        </p:nvSpPr>
+        <p:spPr>
+          <a:xfrm>
+            <a:off x="395206" y="573317"/>
+            <a:ext cx="8422816" cy="431020"/>
+          </a:xfrm>
+          <a:prstGeom prst="rect">
+            <a:avLst/>
+          </a:prstGeom>
+        </p:spPr>
+        <p:txBody>
+          <a:bodyPr/>
+          <a:lstStyle>
+            <a:lvl1pPr algn="l" defTabSz="685783" rtl="0" eaLnBrk="1" latinLnBrk="0" hangingPunct="1">
+              <a:lnSpc>
+                <a:spcPct val="90000"/>
+              </a:lnSpc>
+              <a:spcBef>
+                <a:spcPct val="0"/>
+              </a:spcBef>
+              <a:buNone/>
+              <a:defRPr sz="3300" kern="1200">
+                <a:solidFill>
+                  <a:schemeClr val="tx1"/>
+                </a:solidFill>
+                <a:latin typeface="+mj-lt"/>
+                <a:ea typeface="+mj-ea"/>
+                <a:cs typeface="+mj-cs"/>
+              </a:defRPr>
+            </a:lvl1pPr>
+          </a:lstStyle>
+          <a:p>
+            <a:endParaRPr lang="it-IT" sz="1800" dirty="0">
+              <a:solidFill>
+                <a:schemeClr val="bg1"/>
+              </a:solidFill>
+              <a:latin typeface="Raleway" panose="020B0503030101060003"/>
+            </a:endParaRPr>
+          </a:p>
+        </p:txBody>
+      </p:sp>
+      <p:sp>
+        <p:nvSpPr>
+          <p:cNvPr id="7" name="Rettangolo 6">
+            <a:extLst>
+              <a:ext uri="{FF2B5EF4-FFF2-40B4-BE49-F238E27FC236}">
+                <a16:creationId xmlns:a16="http://schemas.microsoft.com/office/drawing/2014/main" id="{546B6B31-4631-480D-A34E-693FCF8E0DAA}"/>
+              </a:ext>
+            </a:extLst>
+          </p:cNvPr>
+          <p:cNvSpPr/>
+          <p:nvPr/>
+        </p:nvSpPr>
+        <p:spPr>
+          <a:xfrm>
+            <a:off x="325978" y="604161"/>
+            <a:ext cx="3783408" cy="369332"/>
+          </a:xfrm>
+          <a:prstGeom prst="rect">
+            <a:avLst/>
+          </a:prstGeom>
+        </p:spPr>
+        <p:txBody>
+          <a:bodyPr wrap="none">
+            <a:spAutoFit/>
+          </a:bodyPr>
+          <a:lstStyle/>
+          <a:p>
+            <a:r>
+              <a:rPr lang="it-IT" b="1" dirty="0">
+                <a:solidFill>
+                  <a:schemeClr val="bg1"/>
+                </a:solidFill>
+                <a:latin typeface="Raleway"/>
+              </a:rPr>
+              <a:t>Punti salienti della progettazione</a:t>
+            </a:r>
+            <a:endParaRPr lang="it-IT" dirty="0">
+              <a:solidFill>
+                <a:schemeClr val="bg1"/>
+              </a:solidFill>
+              <a:latin typeface="Raleway"/>
+            </a:endParaRPr>
+          </a:p>
+        </p:txBody>
+      </p:sp>
+      <p:sp>
+        <p:nvSpPr>
+          <p:cNvPr id="8" name="Rectangle 2">
+            <a:extLst>
+              <a:ext uri="{FF2B5EF4-FFF2-40B4-BE49-F238E27FC236}">
+                <a16:creationId xmlns:a16="http://schemas.microsoft.com/office/drawing/2014/main" id="{96D29386-6466-4893-A1D2-975A0379397A}"/>
+              </a:ext>
+            </a:extLst>
+          </p:cNvPr>
+          <p:cNvSpPr/>
+          <p:nvPr/>
+        </p:nvSpPr>
+        <p:spPr>
+          <a:xfrm>
+            <a:off x="1553687" y="2372749"/>
+            <a:ext cx="2684171" cy="3505814"/>
+          </a:xfrm>
+          <a:prstGeom prst="rect">
+            <a:avLst/>
+          </a:prstGeom>
+          <a:solidFill>
+            <a:schemeClr val="bg1"/>
+          </a:solidFill>
+          <a:ln>
+            <a:noFill/>
+          </a:ln>
+          <a:effectLst>
+            <a:outerShdw blurRad="38100" dist="12700" dir="5400000" algn="ctr" rotWithShape="0">
+              <a:srgbClr val="000000">
+                <a:alpha val="30000"/>
+              </a:srgbClr>
+            </a:outerShdw>
+          </a:effectLst>
+        </p:spPr>
+        <p:style>
+          <a:lnRef idx="2">
+            <a:schemeClr val="accent1">
+              <a:shade val="50000"/>
+            </a:schemeClr>
+          </a:lnRef>
+          <a:fillRef idx="1">
+            <a:schemeClr val="accent1"/>
+          </a:fillRef>
+          <a:effectRef idx="0">
+            <a:schemeClr val="accent1"/>
+          </a:effectRef>
+          <a:fontRef idx="minor">
+            <a:schemeClr val="lt1"/>
+          </a:fontRef>
+        </p:style>
+        <p:txBody>
+          <a:bodyPr rtlCol="0" anchor="ctr"/>
+          <a:lstStyle/>
+          <a:p>
+            <a:pPr algn="ctr"/>
+            <a:endParaRPr lang="en-US" sz="1350"/>
+          </a:p>
+        </p:txBody>
+      </p:sp>
+      <p:sp>
+        <p:nvSpPr>
+          <p:cNvPr id="9" name="Rectangle 12">
+            <a:extLst>
+              <a:ext uri="{FF2B5EF4-FFF2-40B4-BE49-F238E27FC236}">
+                <a16:creationId xmlns:a16="http://schemas.microsoft.com/office/drawing/2014/main" id="{A2362FDF-C9BE-439A-A5C3-B78166562F4A}"/>
+              </a:ext>
+            </a:extLst>
+          </p:cNvPr>
+          <p:cNvSpPr/>
+          <p:nvPr/>
+        </p:nvSpPr>
+        <p:spPr>
+          <a:xfrm>
+            <a:off x="4410333" y="2364892"/>
+            <a:ext cx="2684171" cy="3513671"/>
+          </a:xfrm>
+          <a:prstGeom prst="rect">
+            <a:avLst/>
+          </a:prstGeom>
+          <a:solidFill>
+            <a:schemeClr val="bg1"/>
+          </a:solidFill>
+          <a:ln>
+            <a:noFill/>
+          </a:ln>
+          <a:effectLst>
+            <a:outerShdw blurRad="38100" dist="12700" dir="5400000" algn="ctr" rotWithShape="0">
+              <a:srgbClr val="000000">
+                <a:alpha val="30000"/>
+              </a:srgbClr>
+            </a:outerShdw>
+          </a:effectLst>
+        </p:spPr>
+        <p:style>
+          <a:lnRef idx="2">
+            <a:schemeClr val="accent1">
+              <a:shade val="50000"/>
+            </a:schemeClr>
+          </a:lnRef>
+          <a:fillRef idx="1">
+            <a:schemeClr val="accent1"/>
+          </a:fillRef>
+          <a:effectRef idx="0">
+            <a:schemeClr val="accent1"/>
+          </a:effectRef>
+          <a:fontRef idx="minor">
+            <a:schemeClr val="lt1"/>
+          </a:fontRef>
+        </p:style>
+        <p:txBody>
+          <a:bodyPr rtlCol="0" anchor="ctr"/>
+          <a:lstStyle/>
+          <a:p>
+            <a:pPr algn="ctr"/>
+            <a:r>
+              <a:rPr lang="it-IT" sz="1350"/>
+              <a:t> Progettazione di formattatori di report</a:t>
+            </a:r>
+            <a:endParaRPr lang="en-US" sz="1350" dirty="0"/>
+          </a:p>
+        </p:txBody>
+      </p:sp>
+      <p:sp>
+        <p:nvSpPr>
+          <p:cNvPr id="14" name="Rectangle 5">
+            <a:extLst>
+              <a:ext uri="{FF2B5EF4-FFF2-40B4-BE49-F238E27FC236}">
+                <a16:creationId xmlns:a16="http://schemas.microsoft.com/office/drawing/2014/main" id="{22326694-008E-42AE-9E2F-E5E756C4831C}"/>
+              </a:ext>
+            </a:extLst>
+          </p:cNvPr>
+          <p:cNvSpPr/>
+          <p:nvPr/>
+        </p:nvSpPr>
+        <p:spPr>
+          <a:xfrm>
+            <a:off x="1741944" y="3556819"/>
+            <a:ext cx="2307656" cy="2064155"/>
+          </a:xfrm>
+          <a:prstGeom prst="rect">
+            <a:avLst/>
+          </a:prstGeom>
+        </p:spPr>
+        <p:txBody>
+          <a:bodyPr wrap="square">
+            <a:spAutoFit/>
+          </a:bodyPr>
+          <a:lstStyle/>
+          <a:p>
+            <a:pPr algn="ctr">
+              <a:lnSpc>
+                <a:spcPct val="120000"/>
+              </a:lnSpc>
+            </a:pPr>
+            <a:r>
+              <a:rPr lang="it-IT" sz="1350" dirty="0">
+                <a:solidFill>
+                  <a:schemeClr val="bg1">
+                    <a:lumMod val="65000"/>
+                  </a:schemeClr>
+                </a:solidFill>
+                <a:latin typeface="Raleway"/>
+                <a:ea typeface="Roboto Light" charset="0"/>
+                <a:cs typeface="Roboto Light" charset="0"/>
+              </a:rPr>
+              <a:t>Progettazione di questo oggetto </a:t>
+            </a:r>
+            <a:r>
+              <a:rPr lang="it-IT" sz="1350" dirty="0" err="1">
+                <a:solidFill>
+                  <a:schemeClr val="bg1">
+                    <a:lumMod val="65000"/>
+                  </a:schemeClr>
+                </a:solidFill>
+                <a:latin typeface="Raleway"/>
+                <a:ea typeface="Roboto Light" charset="0"/>
+                <a:cs typeface="Roboto Light" charset="0"/>
+              </a:rPr>
+              <a:t>Facade</a:t>
+            </a:r>
+            <a:r>
+              <a:rPr lang="it-IT" sz="1350" dirty="0">
+                <a:solidFill>
+                  <a:schemeClr val="bg1">
+                    <a:lumMod val="65000"/>
+                  </a:schemeClr>
+                </a:solidFill>
+                <a:latin typeface="Raleway"/>
+                <a:ea typeface="Roboto Light" charset="0"/>
+                <a:cs typeface="Roboto Light" charset="0"/>
+              </a:rPr>
+              <a:t>.</a:t>
+            </a:r>
+          </a:p>
+          <a:p>
+            <a:pPr algn="ctr">
+              <a:lnSpc>
+                <a:spcPct val="120000"/>
+              </a:lnSpc>
+            </a:pPr>
+            <a:r>
+              <a:rPr lang="it-IT" sz="1350" dirty="0">
+                <a:solidFill>
+                  <a:schemeClr val="bg1">
+                    <a:lumMod val="65000"/>
+                  </a:schemeClr>
+                </a:solidFill>
+                <a:latin typeface="Raleway"/>
+                <a:ea typeface="Roboto Light" charset="0"/>
+                <a:cs typeface="Roboto Light" charset="0"/>
+              </a:rPr>
+              <a:t>Questo fornisce delle interfacce molto semplificate e permette di variare </a:t>
+            </a:r>
+            <a:r>
+              <a:rPr lang="it-IT" sz="1350" dirty="0" err="1">
+                <a:solidFill>
+                  <a:schemeClr val="bg1">
+                    <a:lumMod val="65000"/>
+                  </a:schemeClr>
+                </a:solidFill>
+                <a:latin typeface="Raleway"/>
+                <a:ea typeface="Roboto Light" charset="0"/>
+                <a:cs typeface="Roboto Light" charset="0"/>
+              </a:rPr>
+              <a:t>l'engine</a:t>
+            </a:r>
+            <a:r>
+              <a:rPr lang="it-IT" sz="1350" dirty="0">
+                <a:solidFill>
+                  <a:schemeClr val="bg1">
+                    <a:lumMod val="65000"/>
+                  </a:schemeClr>
+                </a:solidFill>
+                <a:latin typeface="Raleway"/>
+                <a:ea typeface="Roboto Light" charset="0"/>
+                <a:cs typeface="Roboto Light" charset="0"/>
+              </a:rPr>
+              <a:t> di AI senza apportare modifiche altrove nel codice</a:t>
+            </a:r>
+            <a:endParaRPr lang="en-US" sz="1350" dirty="0">
+              <a:solidFill>
+                <a:schemeClr val="bg1">
+                  <a:lumMod val="65000"/>
+                </a:schemeClr>
+              </a:solidFill>
+              <a:latin typeface="Raleway"/>
+              <a:ea typeface="Roboto Light" charset="0"/>
+              <a:cs typeface="Roboto Light" charset="0"/>
+            </a:endParaRPr>
+          </a:p>
+        </p:txBody>
+      </p:sp>
+      <p:sp>
+        <p:nvSpPr>
+          <p:cNvPr id="15" name="Rectangle 28">
+            <a:extLst>
+              <a:ext uri="{FF2B5EF4-FFF2-40B4-BE49-F238E27FC236}">
+                <a16:creationId xmlns:a16="http://schemas.microsoft.com/office/drawing/2014/main" id="{663D9C09-8331-4E4B-A1D2-4BC116C372AA}"/>
+              </a:ext>
+            </a:extLst>
+          </p:cNvPr>
+          <p:cNvSpPr/>
+          <p:nvPr/>
+        </p:nvSpPr>
+        <p:spPr>
+          <a:xfrm>
+            <a:off x="1744910" y="2482129"/>
+            <a:ext cx="2307656" cy="1220591"/>
+          </a:xfrm>
+          <a:prstGeom prst="rect">
+            <a:avLst/>
+          </a:prstGeom>
+        </p:spPr>
+        <p:txBody>
+          <a:bodyPr wrap="square">
+            <a:spAutoFit/>
+          </a:bodyPr>
+          <a:lstStyle/>
+          <a:p>
+            <a:pPr algn="ctr">
+              <a:lnSpc>
+                <a:spcPct val="120000"/>
+              </a:lnSpc>
+            </a:pPr>
+            <a:r>
+              <a:rPr lang="it-IT" sz="2100" dirty="0">
+                <a:latin typeface="Raleway"/>
+                <a:ea typeface="Roboto Light" charset="0"/>
+                <a:cs typeface="Roboto Light" charset="0"/>
+              </a:rPr>
+              <a:t>Oggetto </a:t>
+            </a:r>
+            <a:r>
+              <a:rPr lang="it-IT" sz="2100" dirty="0" err="1">
+                <a:latin typeface="Raleway"/>
+                <a:ea typeface="Roboto Light" charset="0"/>
+                <a:cs typeface="Roboto Light" charset="0"/>
+              </a:rPr>
+              <a:t>Facade</a:t>
+            </a:r>
+            <a:r>
+              <a:rPr lang="it-IT" sz="2100" dirty="0">
+                <a:latin typeface="Raleway"/>
+                <a:ea typeface="Roboto Light" charset="0"/>
+                <a:cs typeface="Roboto Light" charset="0"/>
+              </a:rPr>
+              <a:t> che gestisce le analisi</a:t>
+            </a:r>
+            <a:endParaRPr lang="en-US" dirty="0">
+              <a:latin typeface="Raleway"/>
+              <a:ea typeface="Roboto Light" charset="0"/>
+              <a:cs typeface="Roboto Light" charset="0"/>
+            </a:endParaRPr>
+          </a:p>
+        </p:txBody>
+      </p:sp>
+      <p:sp>
+        <p:nvSpPr>
+          <p:cNvPr id="16" name="Rectangle 29">
+            <a:extLst>
+              <a:ext uri="{FF2B5EF4-FFF2-40B4-BE49-F238E27FC236}">
+                <a16:creationId xmlns:a16="http://schemas.microsoft.com/office/drawing/2014/main" id="{B21E842A-8659-4AAA-A4EF-1EA70C12D051}"/>
+              </a:ext>
+            </a:extLst>
+          </p:cNvPr>
+          <p:cNvSpPr/>
+          <p:nvPr/>
+        </p:nvSpPr>
+        <p:spPr>
+          <a:xfrm>
+            <a:off x="4598591" y="3728735"/>
+            <a:ext cx="2307656" cy="1316258"/>
+          </a:xfrm>
+          <a:prstGeom prst="rect">
+            <a:avLst/>
+          </a:prstGeom>
+        </p:spPr>
+        <p:txBody>
+          <a:bodyPr wrap="square">
+            <a:spAutoFit/>
+          </a:bodyPr>
+          <a:lstStyle/>
+          <a:p>
+            <a:pPr algn="ctr">
+              <a:lnSpc>
+                <a:spcPct val="120000"/>
+              </a:lnSpc>
+            </a:pPr>
+            <a:r>
+              <a:rPr lang="it-IT" sz="1350" dirty="0">
+                <a:solidFill>
+                  <a:schemeClr val="bg1">
+                    <a:lumMod val="65000"/>
+                  </a:schemeClr>
+                </a:solidFill>
+                <a:latin typeface="Raleway"/>
+                <a:ea typeface="Roboto Light" charset="0"/>
+                <a:cs typeface="Roboto Light" charset="0"/>
+              </a:rPr>
+              <a:t>Questo permette di includere nel futuro altri formati scaricabili, pur mantenendo unificate le loro interfacce</a:t>
+            </a:r>
+            <a:endParaRPr lang="en-US" sz="1350" dirty="0">
+              <a:solidFill>
+                <a:schemeClr val="bg1">
+                  <a:lumMod val="65000"/>
+                </a:schemeClr>
+              </a:solidFill>
+              <a:latin typeface="Raleway"/>
+              <a:ea typeface="Roboto Light" charset="0"/>
+              <a:cs typeface="Roboto Light" charset="0"/>
+            </a:endParaRPr>
+          </a:p>
+        </p:txBody>
+      </p:sp>
+      <p:sp>
+        <p:nvSpPr>
+          <p:cNvPr id="17" name="Rectangle 30">
+            <a:extLst>
+              <a:ext uri="{FF2B5EF4-FFF2-40B4-BE49-F238E27FC236}">
+                <a16:creationId xmlns:a16="http://schemas.microsoft.com/office/drawing/2014/main" id="{7218314B-FB18-4B9C-89DE-ECDFF0B0C6F9}"/>
+              </a:ext>
+            </a:extLst>
+          </p:cNvPr>
+          <p:cNvSpPr/>
+          <p:nvPr/>
+        </p:nvSpPr>
+        <p:spPr>
+          <a:xfrm>
+            <a:off x="4598591" y="2508144"/>
+            <a:ext cx="2307656" cy="1220591"/>
+          </a:xfrm>
+          <a:prstGeom prst="rect">
+            <a:avLst/>
+          </a:prstGeom>
+        </p:spPr>
+        <p:txBody>
+          <a:bodyPr wrap="square">
+            <a:spAutoFit/>
+          </a:bodyPr>
+          <a:lstStyle/>
+          <a:p>
+            <a:pPr algn="ctr">
+              <a:lnSpc>
+                <a:spcPct val="120000"/>
+              </a:lnSpc>
+            </a:pPr>
+            <a:r>
+              <a:rPr lang="it-IT" sz="2100" dirty="0">
+                <a:latin typeface="Raleway"/>
+                <a:ea typeface="Roboto Light" charset="0"/>
+                <a:cs typeface="Roboto Light" charset="0"/>
+              </a:rPr>
+              <a:t>Progettazione di formattatori di report</a:t>
+            </a:r>
+            <a:r>
+              <a:rPr lang="en-US" sz="2100" dirty="0">
+                <a:latin typeface="Raleway"/>
+                <a:ea typeface="Roboto Light" charset="0"/>
+                <a:cs typeface="Roboto Light" charset="0"/>
+              </a:rPr>
+              <a:t> </a:t>
+            </a:r>
+            <a:endParaRPr lang="en-US" dirty="0">
+              <a:latin typeface="Raleway"/>
+              <a:ea typeface="Roboto Light" charset="0"/>
+              <a:cs typeface="Roboto Light" charset="0"/>
+            </a:endParaRPr>
+          </a:p>
+        </p:txBody>
+      </p:sp>
+    </p:spTree>
+    <p:extLst>
+      <p:ext uri="{BB962C8B-B14F-4D97-AF65-F5344CB8AC3E}">
+        <p14:creationId xmlns:p14="http://schemas.microsoft.com/office/powerpoint/2010/main" val="2985701101"/>
+      </p:ext>
+    </p:extLst>
+  </p:cSld>
+  <p:clrMapOvr>
+    <a:masterClrMapping/>
+  </p:clrMapOvr>
+  <p:transition spd="slow">
+    <p:push/>
+  </p:transition>
+</p:sld>
+</file>
+
+<file path=ppt/slides/slide12.xml><?xml version="1.0" encoding="utf-8"?>
+<p:sld xmlns:a="http://schemas.openxmlformats.org/drawingml/2006/main" xmlns:r="http://schemas.openxmlformats.org/officeDocument/2006/relationships" xmlns:p="http://schemas.openxmlformats.org/presentationml/2006/main">
+  <p:cSld>
+    <p:spTree>
+      <p:nvGrpSpPr>
+        <p:cNvPr id="1" name=""/>
+        <p:cNvGrpSpPr/>
+        <p:nvPr/>
+      </p:nvGrpSpPr>
+      <p:grpSpPr>
+        <a:xfrm>
+          <a:off x="0" y="0"/>
+          <a:ext cx="0" cy="0"/>
+          <a:chOff x="0" y="0"/>
+          <a:chExt cx="0" cy="0"/>
+        </a:xfrm>
+      </p:grpSpPr>
+      <p:sp>
+        <p:nvSpPr>
+          <p:cNvPr id="2" name="Titolo 1">
+            <a:extLst>
+              <a:ext uri="{FF2B5EF4-FFF2-40B4-BE49-F238E27FC236}">
+                <a16:creationId xmlns:a16="http://schemas.microsoft.com/office/drawing/2014/main" id="{B73CF70F-5974-4D3E-8AE0-71F230BC77E3}"/>
+              </a:ext>
+            </a:extLst>
+          </p:cNvPr>
+          <p:cNvSpPr>
+            <a:spLocks noGrp="1"/>
+          </p:cNvSpPr>
+          <p:nvPr>
+            <p:ph type="title"/>
+          </p:nvPr>
+        </p:nvSpPr>
+        <p:spPr>
+          <a:xfrm>
+            <a:off x="628650" y="2948723"/>
+            <a:ext cx="3943350" cy="960553"/>
+          </a:xfrm>
+        </p:spPr>
+        <p:txBody>
+          <a:bodyPr/>
+          <a:lstStyle/>
+          <a:p>
+            <a:r>
+              <a:rPr lang="it-IT" dirty="0"/>
+              <a:t>Punti salienti della realizzazione</a:t>
+            </a:r>
+            <a:br>
+              <a:rPr lang="it-IT" dirty="0"/>
+            </a:br>
+            <a:endParaRPr lang="it-IT" dirty="0"/>
+          </a:p>
+        </p:txBody>
+      </p:sp>
+    </p:spTree>
+    <p:extLst>
+      <p:ext uri="{BB962C8B-B14F-4D97-AF65-F5344CB8AC3E}">
+        <p14:creationId xmlns:p14="http://schemas.microsoft.com/office/powerpoint/2010/main" val="3357744861"/>
+      </p:ext>
+    </p:extLst>
+  </p:cSld>
+  <p:clrMapOvr>
+    <a:masterClrMapping/>
+  </p:clrMapOvr>
+  <p:transition spd="slow">
+    <p:push/>
+  </p:transition>
+</p:sld>
+</file>
+
+<file path=ppt/slides/slide13.xml><?xml version="1.0" encoding="utf-8"?>
+<p:sld xmlns:a="http://schemas.openxmlformats.org/drawingml/2006/main" xmlns:r="http://schemas.openxmlformats.org/officeDocument/2006/relationships" xmlns:p="http://schemas.openxmlformats.org/presentationml/2006/main">
+  <p:cSld>
+    <p:spTree>
+      <p:nvGrpSpPr>
+        <p:cNvPr id="1" name=""/>
+        <p:cNvGrpSpPr/>
+        <p:nvPr/>
+      </p:nvGrpSpPr>
+      <p:grpSpPr>
+        <a:xfrm>
+          <a:off x="0" y="0"/>
+          <a:ext cx="0" cy="0"/>
+          <a:chOff x="0" y="0"/>
+          <a:chExt cx="0" cy="0"/>
+        </a:xfrm>
+      </p:grpSpPr>
+      <p:sp>
+        <p:nvSpPr>
+          <p:cNvPr id="3" name="Segnaposto numero diapositiva 2">
+            <a:extLst>
+              <a:ext uri="{FF2B5EF4-FFF2-40B4-BE49-F238E27FC236}">
+                <a16:creationId xmlns:a16="http://schemas.microsoft.com/office/drawing/2014/main" id="{F95D5DB9-37AE-4E1C-A00F-B3A31DFEC6CC}"/>
+              </a:ext>
+            </a:extLst>
+          </p:cNvPr>
+          <p:cNvSpPr>
+            <a:spLocks noGrp="1"/>
+          </p:cNvSpPr>
+          <p:nvPr>
+            <p:ph type="sldNum" sz="quarter" idx="4294967295"/>
+          </p:nvPr>
+        </p:nvSpPr>
+        <p:spPr>
+          <a:xfrm>
+            <a:off x="8188120" y="1365864"/>
+            <a:ext cx="542925" cy="365125"/>
+          </a:xfrm>
+        </p:spPr>
+        <p:txBody>
+          <a:bodyPr/>
+          <a:lstStyle/>
+          <a:p>
+            <a:fld id="{936C95AE-7298-45E1-9514-94AFF5BED89B}" type="slidenum">
+              <a:rPr lang="en-US" smtClean="0"/>
+              <a:pPr/>
+              <a:t>13</a:t>
+            </a:fld>
+            <a:endParaRPr lang="en-US" dirty="0"/>
+          </a:p>
+        </p:txBody>
+      </p:sp>
+      <p:sp>
+        <p:nvSpPr>
+          <p:cNvPr id="6" name="Titolo 1">
+            <a:extLst>
+              <a:ext uri="{FF2B5EF4-FFF2-40B4-BE49-F238E27FC236}">
+                <a16:creationId xmlns:a16="http://schemas.microsoft.com/office/drawing/2014/main" id="{BA907758-C83D-447A-8484-FE6423F0D184}"/>
+              </a:ext>
+            </a:extLst>
+          </p:cNvPr>
+          <p:cNvSpPr txBox="1">
+            <a:spLocks/>
+          </p:cNvSpPr>
+          <p:nvPr/>
+        </p:nvSpPr>
+        <p:spPr>
+          <a:xfrm>
+            <a:off x="395206" y="573317"/>
+            <a:ext cx="8422816" cy="431020"/>
+          </a:xfrm>
+          <a:prstGeom prst="rect">
+            <a:avLst/>
+          </a:prstGeom>
+        </p:spPr>
+        <p:txBody>
+          <a:bodyPr/>
+          <a:lstStyle>
+            <a:lvl1pPr algn="l" defTabSz="685783" rtl="0" eaLnBrk="1" latinLnBrk="0" hangingPunct="1">
+              <a:lnSpc>
+                <a:spcPct val="90000"/>
+              </a:lnSpc>
+              <a:spcBef>
+                <a:spcPct val="0"/>
+              </a:spcBef>
+              <a:buNone/>
+              <a:defRPr sz="3300" kern="1200">
+                <a:solidFill>
+                  <a:schemeClr val="tx1"/>
+                </a:solidFill>
+                <a:latin typeface="+mj-lt"/>
+                <a:ea typeface="+mj-ea"/>
+                <a:cs typeface="+mj-cs"/>
+              </a:defRPr>
+            </a:lvl1pPr>
+          </a:lstStyle>
+          <a:p>
+            <a:endParaRPr lang="it-IT" sz="1800" dirty="0">
+              <a:solidFill>
+                <a:schemeClr val="bg1"/>
+              </a:solidFill>
+              <a:latin typeface="Raleway" panose="020B0503030101060003"/>
+            </a:endParaRPr>
+          </a:p>
+        </p:txBody>
+      </p:sp>
+      <p:sp>
+        <p:nvSpPr>
+          <p:cNvPr id="7" name="Rettangolo 6">
+            <a:extLst>
+              <a:ext uri="{FF2B5EF4-FFF2-40B4-BE49-F238E27FC236}">
+                <a16:creationId xmlns:a16="http://schemas.microsoft.com/office/drawing/2014/main" id="{546B6B31-4631-480D-A34E-693FCF8E0DAA}"/>
+              </a:ext>
+            </a:extLst>
+          </p:cNvPr>
+          <p:cNvSpPr/>
+          <p:nvPr/>
+        </p:nvSpPr>
+        <p:spPr>
+          <a:xfrm>
+            <a:off x="325978" y="604161"/>
+            <a:ext cx="3724096" cy="369332"/>
+          </a:xfrm>
+          <a:prstGeom prst="rect">
+            <a:avLst/>
+          </a:prstGeom>
+        </p:spPr>
+        <p:txBody>
+          <a:bodyPr wrap="none">
+            <a:spAutoFit/>
+          </a:bodyPr>
+          <a:lstStyle/>
+          <a:p>
+            <a:r>
+              <a:rPr lang="it-IT" b="1" dirty="0">
+                <a:solidFill>
+                  <a:schemeClr val="bg1"/>
+                </a:solidFill>
+                <a:latin typeface="Raleway"/>
+              </a:rPr>
+              <a:t>Punti salienti della realizzazione</a:t>
+            </a:r>
+            <a:endParaRPr lang="it-IT" dirty="0">
+              <a:solidFill>
+                <a:schemeClr val="bg1"/>
+              </a:solidFill>
+              <a:latin typeface="Raleway"/>
+            </a:endParaRPr>
+          </a:p>
+        </p:txBody>
+      </p:sp>
+      <p:sp>
+        <p:nvSpPr>
+          <p:cNvPr id="8" name="Rectangle 2">
+            <a:extLst>
+              <a:ext uri="{FF2B5EF4-FFF2-40B4-BE49-F238E27FC236}">
+                <a16:creationId xmlns:a16="http://schemas.microsoft.com/office/drawing/2014/main" id="{96D29386-6466-4893-A1D2-975A0379397A}"/>
+              </a:ext>
+            </a:extLst>
+          </p:cNvPr>
+          <p:cNvSpPr/>
+          <p:nvPr/>
+        </p:nvSpPr>
+        <p:spPr>
+          <a:xfrm>
+            <a:off x="1524000" y="2274426"/>
+            <a:ext cx="5938683" cy="2936671"/>
+          </a:xfrm>
+          <a:prstGeom prst="rect">
+            <a:avLst/>
+          </a:prstGeom>
+          <a:solidFill>
+            <a:schemeClr val="bg1"/>
+          </a:solidFill>
+          <a:ln>
+            <a:noFill/>
+          </a:ln>
+          <a:effectLst>
+            <a:outerShdw blurRad="38100" dist="12700" dir="5400000" algn="ctr" rotWithShape="0">
+              <a:srgbClr val="000000">
+                <a:alpha val="30000"/>
+              </a:srgbClr>
+            </a:outerShdw>
+          </a:effectLst>
+        </p:spPr>
+        <p:style>
+          <a:lnRef idx="2">
+            <a:schemeClr val="accent1">
+              <a:shade val="50000"/>
+            </a:schemeClr>
+          </a:lnRef>
+          <a:fillRef idx="1">
+            <a:schemeClr val="accent1"/>
+          </a:fillRef>
+          <a:effectRef idx="0">
+            <a:schemeClr val="accent1"/>
+          </a:effectRef>
+          <a:fontRef idx="minor">
+            <a:schemeClr val="lt1"/>
+          </a:fontRef>
+        </p:style>
+        <p:txBody>
+          <a:bodyPr rtlCol="0" anchor="ctr"/>
+          <a:lstStyle/>
+          <a:p>
+            <a:pPr algn="ctr"/>
+            <a:endParaRPr lang="en-US" sz="1350"/>
+          </a:p>
+        </p:txBody>
+      </p:sp>
+      <p:sp>
+        <p:nvSpPr>
+          <p:cNvPr id="14" name="Rectangle 5">
+            <a:extLst>
+              <a:ext uri="{FF2B5EF4-FFF2-40B4-BE49-F238E27FC236}">
+                <a16:creationId xmlns:a16="http://schemas.microsoft.com/office/drawing/2014/main" id="{22326694-008E-42AE-9E2F-E5E756C4831C}"/>
+              </a:ext>
+            </a:extLst>
+          </p:cNvPr>
+          <p:cNvSpPr/>
+          <p:nvPr/>
+        </p:nvSpPr>
+        <p:spPr>
+          <a:xfrm>
+            <a:off x="1603474" y="2961883"/>
+            <a:ext cx="5779734" cy="2064155"/>
+          </a:xfrm>
+          <a:prstGeom prst="rect">
+            <a:avLst/>
+          </a:prstGeom>
+        </p:spPr>
+        <p:txBody>
+          <a:bodyPr wrap="square">
+            <a:spAutoFit/>
+          </a:bodyPr>
+          <a:lstStyle/>
+          <a:p>
+            <a:pPr>
+              <a:lnSpc>
+                <a:spcPct val="120000"/>
+              </a:lnSpc>
+            </a:pPr>
+            <a:r>
+              <a:rPr lang="it-IT" sz="1350" dirty="0">
+                <a:solidFill>
+                  <a:schemeClr val="bg1">
+                    <a:lumMod val="65000"/>
+                  </a:schemeClr>
+                </a:solidFill>
+                <a:latin typeface="Raleway"/>
+                <a:ea typeface="Roboto Light" charset="0"/>
+                <a:cs typeface="Roboto Light" charset="0"/>
+              </a:rPr>
+              <a:t>- A causa di alcuni bug di </a:t>
+            </a:r>
+            <a:r>
+              <a:rPr lang="it-IT" sz="1350" dirty="0" err="1">
+                <a:solidFill>
+                  <a:schemeClr val="bg1">
+                    <a:lumMod val="65000"/>
+                  </a:schemeClr>
+                </a:solidFill>
+                <a:latin typeface="Raleway"/>
+                <a:ea typeface="Roboto Light" charset="0"/>
+                <a:cs typeface="Roboto Light" charset="0"/>
+              </a:rPr>
+              <a:t>chrome</a:t>
+            </a:r>
+            <a:r>
+              <a:rPr lang="it-IT" sz="1350" dirty="0">
+                <a:solidFill>
+                  <a:schemeClr val="bg1">
+                    <a:lumMod val="65000"/>
+                  </a:schemeClr>
+                </a:solidFill>
+                <a:latin typeface="Raleway"/>
+                <a:ea typeface="Roboto Light" charset="0"/>
+                <a:cs typeface="Roboto Light" charset="0"/>
+              </a:rPr>
+              <a:t> non tutti i video funzionano a dovere.</a:t>
+            </a:r>
+          </a:p>
+          <a:p>
+            <a:pPr>
+              <a:lnSpc>
+                <a:spcPct val="120000"/>
+              </a:lnSpc>
+            </a:pPr>
+            <a:r>
+              <a:rPr lang="it-IT" sz="1350" dirty="0">
+                <a:solidFill>
+                  <a:schemeClr val="bg1">
+                    <a:lumMod val="65000"/>
+                  </a:schemeClr>
+                </a:solidFill>
+                <a:latin typeface="Raleway"/>
+                <a:ea typeface="Roboto Light" charset="0"/>
+                <a:cs typeface="Roboto Light" charset="0"/>
+              </a:rPr>
+              <a:t>- A causa di alcuni bug di </a:t>
+            </a:r>
+            <a:r>
+              <a:rPr lang="it-IT" sz="1350" dirty="0" err="1">
+                <a:solidFill>
+                  <a:schemeClr val="bg1">
+                    <a:lumMod val="65000"/>
+                  </a:schemeClr>
+                </a:solidFill>
+                <a:latin typeface="Raleway"/>
+                <a:ea typeface="Roboto Light" charset="0"/>
+                <a:cs typeface="Roboto Light" charset="0"/>
+              </a:rPr>
+              <a:t>chromium</a:t>
+            </a:r>
+            <a:r>
+              <a:rPr lang="it-IT" sz="1350" dirty="0">
+                <a:solidFill>
+                  <a:schemeClr val="bg1">
+                    <a:lumMod val="65000"/>
+                  </a:schemeClr>
+                </a:solidFill>
+                <a:latin typeface="Raleway"/>
+                <a:ea typeface="Roboto Light" charset="0"/>
+                <a:cs typeface="Roboto Light" charset="0"/>
+              </a:rPr>
+              <a:t> è stato necessario affidarsi a librerie esterne per la registrazione di video.</a:t>
+            </a:r>
+          </a:p>
+          <a:p>
+            <a:pPr>
+              <a:lnSpc>
+                <a:spcPct val="120000"/>
+              </a:lnSpc>
+            </a:pPr>
+            <a:r>
+              <a:rPr lang="it-IT" sz="1350" dirty="0">
+                <a:solidFill>
+                  <a:schemeClr val="bg1">
+                    <a:lumMod val="65000"/>
+                  </a:schemeClr>
+                </a:solidFill>
+                <a:latin typeface="Raleway"/>
+                <a:ea typeface="Roboto Light" charset="0"/>
+                <a:cs typeface="Roboto Light" charset="0"/>
+              </a:rPr>
+              <a:t>- A causa di problemi con le autorizzazioni di amministratore in ambiente 'Windows' non è stato possibile effettuare l'analisi lato server. - A causa di problemi con le autorizzazioni di amministratore in ambiente 'Windows' non è estato possibile utilizzare librerie di conversione video (FFMPEG).</a:t>
+            </a:r>
+          </a:p>
+        </p:txBody>
+      </p:sp>
+      <p:sp>
+        <p:nvSpPr>
+          <p:cNvPr id="15" name="Rectangle 28">
+            <a:extLst>
+              <a:ext uri="{FF2B5EF4-FFF2-40B4-BE49-F238E27FC236}">
+                <a16:creationId xmlns:a16="http://schemas.microsoft.com/office/drawing/2014/main" id="{663D9C09-8331-4E4B-A1D2-4BC116C372AA}"/>
+              </a:ext>
+            </a:extLst>
+          </p:cNvPr>
+          <p:cNvSpPr/>
+          <p:nvPr/>
+        </p:nvSpPr>
+        <p:spPr>
+          <a:xfrm>
+            <a:off x="2907731" y="2395658"/>
+            <a:ext cx="3171219" cy="444994"/>
+          </a:xfrm>
+          <a:prstGeom prst="rect">
+            <a:avLst/>
+          </a:prstGeom>
+        </p:spPr>
+        <p:txBody>
+          <a:bodyPr wrap="square">
+            <a:spAutoFit/>
+          </a:bodyPr>
+          <a:lstStyle/>
+          <a:p>
+            <a:pPr algn="ctr">
+              <a:lnSpc>
+                <a:spcPct val="120000"/>
+              </a:lnSpc>
+            </a:pPr>
+            <a:r>
+              <a:rPr lang="it-IT" sz="2100" dirty="0">
+                <a:latin typeface="Raleway"/>
+                <a:ea typeface="Roboto Light" charset="0"/>
+                <a:cs typeface="Roboto Light" charset="0"/>
+              </a:rPr>
+              <a:t>Difficoltà</a:t>
+            </a:r>
+            <a:endParaRPr lang="en-US" dirty="0">
+              <a:latin typeface="Raleway"/>
+              <a:ea typeface="Roboto Light" charset="0"/>
+              <a:cs typeface="Roboto Light" charset="0"/>
+            </a:endParaRPr>
+          </a:p>
+        </p:txBody>
+      </p:sp>
+    </p:spTree>
+    <p:extLst>
+      <p:ext uri="{BB962C8B-B14F-4D97-AF65-F5344CB8AC3E}">
+        <p14:creationId xmlns:p14="http://schemas.microsoft.com/office/powerpoint/2010/main" val="2901987578"/>
+      </p:ext>
+    </p:extLst>
+  </p:cSld>
+  <p:clrMapOvr>
+    <a:masterClrMapping/>
+  </p:clrMapOvr>
+  <p:transition spd="slow">
+    <p:push/>
+  </p:transition>
+</p:sld>
+</file>
+
 <file path=ppt/slides/slide2.xml><?xml version="1.0" encoding="utf-8"?>
 <p:sld xmlns:a="http://schemas.openxmlformats.org/drawingml/2006/main" xmlns:r="http://schemas.openxmlformats.org/officeDocument/2006/relationships" xmlns:p="http://schemas.openxmlformats.org/presentationml/2006/main">
   <p:cSld>
@@ -10373,33 +11530,7 @@
                 <a:ea typeface="Roboto Light" charset="0"/>
                 <a:cs typeface="Roboto Light" charset="0"/>
               </a:rPr>
-              <a:t>Il progetto è stato creato con il framework PHP </a:t>
-            </a:r>
-            <a:r>
-              <a:rPr lang="it-IT" sz="1200" dirty="0" err="1">
-                <a:solidFill>
-                  <a:schemeClr val="bg1">
-                    <a:lumMod val="65000"/>
-                  </a:schemeClr>
-                </a:solidFill>
-                <a:latin typeface="Raleway"/>
-                <a:ea typeface="Roboto Light" charset="0"/>
-                <a:cs typeface="Roboto Light" charset="0"/>
-              </a:rPr>
-              <a:t>Laravel</a:t>
-            </a:r>
-            <a:r>
-              <a:rPr lang="it-IT" sz="1200" dirty="0">
-                <a:solidFill>
-                  <a:schemeClr val="bg1">
-                    <a:lumMod val="65000"/>
-                  </a:schemeClr>
-                </a:solidFill>
-                <a:latin typeface="Raleway"/>
-                <a:ea typeface="Roboto Light" charset="0"/>
-                <a:cs typeface="Roboto Light" charset="0"/>
-              </a:rPr>
-              <a:t>.</a:t>
+              <a:t>Il progetto è stato creato con il framework PHP Laravel, mentre le interfacce di analisi sono in JS.</a:t>
             </a:r>
           </a:p>
           <a:p>
